--- a/herehack_S3_Gigachads.pptx
+++ b/herehack_S3_Gigachads.pptx
@@ -7055,7 +7055,7 @@
         <p:spPr>
           <a:xfrm>
             <a:off x="3626758" y="5166123"/>
-            <a:ext cx="5516163" cy="477054"/>
+            <a:ext cx="8562842" cy="477054"/>
           </a:xfrm>
           <a:prstGeom prst="rect">
             <a:avLst/>
@@ -7079,7 +7079,7 @@
                 </a:solidFill>
                 <a:latin typeface="+mj-lt"/>
               </a:rPr>
-              <a:t>JAVA, XML</a:t>
+              <a:t>JAVA, XML, HTML, CSS, JAVASCRIPT</a:t>
             </a:r>
             <a:endParaRPr lang="en-IN" sz="2500" dirty="0"/>
           </a:p>
@@ -8054,6 +8054,23 @@
 </file>
 
 <file path=customXml/item1.xml><?xml version="1.0" encoding="utf-8"?>
+<p:properties xmlns:p="http://schemas.microsoft.com/office/2006/metadata/properties" xmlns:xsi="http://www.w3.org/2001/XMLSchema-instance" xmlns:pc="http://schemas.microsoft.com/office/infopath/2007/PartnerControls">
+  <documentManagement>
+    <MediaServiceKeyPoints xmlns="71af3243-3dd4-4a8d-8c0d-dd76da1f02a5" xsi:nil="true"/>
+  </documentManagement>
+</p:properties>
+</file>
+
+<file path=customXml/item2.xml><?xml version="1.0" encoding="utf-8"?>
+<?mso-contentType ?>
+<FormTemplates xmlns="http://schemas.microsoft.com/sharepoint/v3/contenttype/forms">
+  <Display>DocumentLibraryForm</Display>
+  <Edit>DocumentLibraryForm</Edit>
+  <New>DocumentLibraryForm</New>
+</FormTemplates>
+</file>
+
+<file path=customXml/item3.xml><?xml version="1.0" encoding="utf-8"?>
 <ct:contentTypeSchema xmlns:ct="http://schemas.microsoft.com/office/2006/metadata/contentType" xmlns:ma="http://schemas.microsoft.com/office/2006/metadata/properties/metaAttributes" ct:_="" ma:_="" ma:contentTypeName="Document" ma:contentTypeID="0x01010079F111ED35F8CC479449609E8A0923A6" ma:contentTypeVersion="11" ma:contentTypeDescription="Create a new document." ma:contentTypeScope="" ma:versionID="9677210f24a1be23c92c90fd886aa0aa">
   <xsd:schema xmlns:xsd="http://www.w3.org/2001/XMLSchema" xmlns:xs="http://www.w3.org/2001/XMLSchema" xmlns:p="http://schemas.microsoft.com/office/2006/metadata/properties" xmlns:ns2="71af3243-3dd4-4a8d-8c0d-dd76da1f02a5" xmlns:ns3="16c05727-aa75-4e4a-9b5f-8a80a1165891" targetNamespace="http://schemas.microsoft.com/office/2006/metadata/properties" ma:root="true" ma:fieldsID="60e05723c5c1908df1a1a4ebf11d344e" ns2:_="" ns3:_="">
     <xsd:import namespace="71af3243-3dd4-4a8d-8c0d-dd76da1f02a5"/>
@@ -8264,24 +8281,25 @@
 </ct:contentTypeSchema>
 </file>
 
-<file path=customXml/item2.xml><?xml version="1.0" encoding="utf-8"?>
-<?mso-contentType ?>
-<FormTemplates xmlns="http://schemas.microsoft.com/sharepoint/v3/contenttype/forms">
-  <Display>DocumentLibraryForm</Display>
-  <Edit>DocumentLibraryForm</Edit>
-  <New>DocumentLibraryForm</New>
-</FormTemplates>
+<file path=customXml/itemProps1.xml><?xml version="1.0" encoding="utf-8"?>
+<ds:datastoreItem xmlns:ds="http://schemas.openxmlformats.org/officeDocument/2006/customXml" ds:itemID="{171946EF-A3EA-4ECB-8D9A-56C36FFF4075}">
+  <ds:schemaRefs>
+    <ds:schemaRef ds:uri="http://schemas.microsoft.com/office/2006/metadata/properties"/>
+    <ds:schemaRef ds:uri="http://schemas.microsoft.com/office/infopath/2007/PartnerControls"/>
+    <ds:schemaRef ds:uri="71af3243-3dd4-4a8d-8c0d-dd76da1f02a5"/>
+  </ds:schemaRefs>
+</ds:datastoreItem>
 </file>
 
-<file path=customXml/item3.xml><?xml version="1.0" encoding="utf-8"?>
-<p:properties xmlns:p="http://schemas.microsoft.com/office/2006/metadata/properties" xmlns:xsi="http://www.w3.org/2001/XMLSchema-instance" xmlns:pc="http://schemas.microsoft.com/office/infopath/2007/PartnerControls">
-  <documentManagement>
-    <MediaServiceKeyPoints xmlns="71af3243-3dd4-4a8d-8c0d-dd76da1f02a5" xsi:nil="true"/>
-  </documentManagement>
-</p:properties>
+<file path=customXml/itemProps2.xml><?xml version="1.0" encoding="utf-8"?>
+<ds:datastoreItem xmlns:ds="http://schemas.openxmlformats.org/officeDocument/2006/customXml" ds:itemID="{72DAF9E5-DED4-4A50-A81B-4CC218A03F2B}">
+  <ds:schemaRefs>
+    <ds:schemaRef ds:uri="http://schemas.microsoft.com/sharepoint/v3/contenttype/forms"/>
+  </ds:schemaRefs>
+</ds:datastoreItem>
 </file>
 
-<file path=customXml/itemProps1.xml><?xml version="1.0" encoding="utf-8"?>
+<file path=customXml/itemProps3.xml><?xml version="1.0" encoding="utf-8"?>
 <ds:datastoreItem xmlns:ds="http://schemas.openxmlformats.org/officeDocument/2006/customXml" ds:itemID="{FFDD087A-3273-4D74-8700-4C8E2BE507D4}">
   <ds:schemaRefs>
     <ds:schemaRef ds:uri="http://schemas.microsoft.com/office/2006/metadata/contentType"/>
@@ -8298,22 +8316,4 @@
     <ds:schemaRef ds:uri="http://schemas.microsoft.com/internal/obd"/>
   </ds:schemaRefs>
 </ds:datastoreItem>
-</file>
-
-<file path=customXml/itemProps2.xml><?xml version="1.0" encoding="utf-8"?>
-<ds:datastoreItem xmlns:ds="http://schemas.openxmlformats.org/officeDocument/2006/customXml" ds:itemID="{72DAF9E5-DED4-4A50-A81B-4CC218A03F2B}">
-  <ds:schemaRefs>
-    <ds:schemaRef ds:uri="http://schemas.microsoft.com/sharepoint/v3/contenttype/forms"/>
-  </ds:schemaRefs>
-</ds:datastoreItem>
-</file>
-
-<file path=customXml/itemProps3.xml><?xml version="1.0" encoding="utf-8"?>
-<ds:datastoreItem xmlns:ds="http://schemas.openxmlformats.org/officeDocument/2006/customXml" ds:itemID="{171946EF-A3EA-4ECB-8D9A-56C36FFF4075}">
-  <ds:schemaRefs>
-    <ds:schemaRef ds:uri="http://schemas.microsoft.com/office/2006/metadata/properties"/>
-    <ds:schemaRef ds:uri="http://schemas.microsoft.com/office/infopath/2007/PartnerControls"/>
-    <ds:schemaRef ds:uri="71af3243-3dd4-4a8d-8c0d-dd76da1f02a5"/>
-  </ds:schemaRefs>
-</ds:datastoreItem>
 </file>